--- a/DB 스터디_220920.pptx
+++ b/DB 스터디_220920.pptx
@@ -367,18 +367,6 @@
   <p:clrMapOvr>
     <a:masterClrMapping/>
   </p:clrMapOvr>
-  <mc:AlternateContent xmlns:mc="http://schemas.openxmlformats.org/markup-compatibility/2006" xmlns:p159="http://schemas.microsoft.com/office/powerpoint/2015/09/main">
-    <mc:Choice Requires="p159">
-      <p:transition xmlns:p14="http://schemas.microsoft.com/office/powerpoint/2010/main" spd="slow" p14:dur="2000">
-        <p159:morph option="byObject"/>
-      </p:transition>
-    </mc:Choice>
-    <mc:Fallback xmlns="">
-      <p:transition spd="slow">
-        <p:fade/>
-      </p:transition>
-    </mc:Fallback>
-  </mc:AlternateContent>
 </p:sldLayout>
 </file>
 
@@ -577,18 +565,6 @@
   <p:clrMapOvr>
     <a:masterClrMapping/>
   </p:clrMapOvr>
-  <mc:AlternateContent xmlns:mc="http://schemas.openxmlformats.org/markup-compatibility/2006" xmlns:p159="http://schemas.microsoft.com/office/powerpoint/2015/09/main">
-    <mc:Choice Requires="p159">
-      <p:transition xmlns:p14="http://schemas.microsoft.com/office/powerpoint/2010/main" spd="slow" p14:dur="2000">
-        <p159:morph option="byObject"/>
-      </p:transition>
-    </mc:Choice>
-    <mc:Fallback xmlns="">
-      <p:transition spd="slow">
-        <p:fade/>
-      </p:transition>
-    </mc:Fallback>
-  </mc:AlternateContent>
 </p:sldLayout>
 </file>
 
@@ -797,18 +773,6 @@
   <p:clrMapOvr>
     <a:masterClrMapping/>
   </p:clrMapOvr>
-  <mc:AlternateContent xmlns:mc="http://schemas.openxmlformats.org/markup-compatibility/2006" xmlns:p159="http://schemas.microsoft.com/office/powerpoint/2015/09/main">
-    <mc:Choice Requires="p159">
-      <p:transition xmlns:p14="http://schemas.microsoft.com/office/powerpoint/2010/main" spd="slow" p14:dur="2000">
-        <p159:morph option="byObject"/>
-      </p:transition>
-    </mc:Choice>
-    <mc:Fallback xmlns="">
-      <p:transition spd="slow">
-        <p:fade/>
-      </p:transition>
-    </mc:Fallback>
-  </mc:AlternateContent>
 </p:sldLayout>
 </file>
 
@@ -1007,18 +971,6 @@
   <p:clrMapOvr>
     <a:masterClrMapping/>
   </p:clrMapOvr>
-  <mc:AlternateContent xmlns:mc="http://schemas.openxmlformats.org/markup-compatibility/2006" xmlns:p159="http://schemas.microsoft.com/office/powerpoint/2015/09/main">
-    <mc:Choice Requires="p159">
-      <p:transition xmlns:p14="http://schemas.microsoft.com/office/powerpoint/2010/main" spd="slow" p14:dur="2000">
-        <p159:morph option="byObject"/>
-      </p:transition>
-    </mc:Choice>
-    <mc:Fallback xmlns="">
-      <p:transition spd="slow">
-        <p:fade/>
-      </p:transition>
-    </mc:Fallback>
-  </mc:AlternateContent>
 </p:sldLayout>
 </file>
 
@@ -1294,18 +1246,6 @@
   <p:clrMapOvr>
     <a:masterClrMapping/>
   </p:clrMapOvr>
-  <mc:AlternateContent xmlns:mc="http://schemas.openxmlformats.org/markup-compatibility/2006" xmlns:p159="http://schemas.microsoft.com/office/powerpoint/2015/09/main">
-    <mc:Choice Requires="p159">
-      <p:transition xmlns:p14="http://schemas.microsoft.com/office/powerpoint/2010/main" spd="slow" p14:dur="2000">
-        <p159:morph option="byObject"/>
-      </p:transition>
-    </mc:Choice>
-    <mc:Fallback xmlns="">
-      <p:transition spd="slow">
-        <p:fade/>
-      </p:transition>
-    </mc:Fallback>
-  </mc:AlternateContent>
 </p:sldLayout>
 </file>
 
@@ -1571,18 +1511,6 @@
   <p:clrMapOvr>
     <a:masterClrMapping/>
   </p:clrMapOvr>
-  <mc:AlternateContent xmlns:mc="http://schemas.openxmlformats.org/markup-compatibility/2006" xmlns:p159="http://schemas.microsoft.com/office/powerpoint/2015/09/main">
-    <mc:Choice Requires="p159">
-      <p:transition xmlns:p14="http://schemas.microsoft.com/office/powerpoint/2010/main" spd="slow" p14:dur="2000">
-        <p159:morph option="byObject"/>
-      </p:transition>
-    </mc:Choice>
-    <mc:Fallback xmlns="">
-      <p:transition spd="slow">
-        <p:fade/>
-      </p:transition>
-    </mc:Fallback>
-  </mc:AlternateContent>
 </p:sldLayout>
 </file>
 
@@ -1995,18 +1923,6 @@
   <p:clrMapOvr>
     <a:masterClrMapping/>
   </p:clrMapOvr>
-  <mc:AlternateContent xmlns:mc="http://schemas.openxmlformats.org/markup-compatibility/2006" xmlns:p159="http://schemas.microsoft.com/office/powerpoint/2015/09/main">
-    <mc:Choice Requires="p159">
-      <p:transition xmlns:p14="http://schemas.microsoft.com/office/powerpoint/2010/main" spd="slow" p14:dur="2000">
-        <p159:morph option="byObject"/>
-      </p:transition>
-    </mc:Choice>
-    <mc:Fallback xmlns="">
-      <p:transition spd="slow">
-        <p:fade/>
-      </p:transition>
-    </mc:Fallback>
-  </mc:AlternateContent>
 </p:sldLayout>
 </file>
 
@@ -2148,18 +2064,6 @@
   <p:clrMapOvr>
     <a:masterClrMapping/>
   </p:clrMapOvr>
-  <mc:AlternateContent xmlns:mc="http://schemas.openxmlformats.org/markup-compatibility/2006" xmlns:p159="http://schemas.microsoft.com/office/powerpoint/2015/09/main">
-    <mc:Choice Requires="p159">
-      <p:transition xmlns:p14="http://schemas.microsoft.com/office/powerpoint/2010/main" spd="slow" p14:dur="2000">
-        <p159:morph option="byObject"/>
-      </p:transition>
-    </mc:Choice>
-    <mc:Fallback xmlns="">
-      <p:transition spd="slow">
-        <p:fade/>
-      </p:transition>
-    </mc:Fallback>
-  </mc:AlternateContent>
 </p:sldLayout>
 </file>
 
@@ -2368,18 +2272,6 @@
   <p:clrMapOvr>
     <a:masterClrMapping/>
   </p:clrMapOvr>
-  <mc:AlternateContent xmlns:mc="http://schemas.openxmlformats.org/markup-compatibility/2006" xmlns:p159="http://schemas.microsoft.com/office/powerpoint/2015/09/main">
-    <mc:Choice Requires="p159">
-      <p:transition xmlns:p14="http://schemas.microsoft.com/office/powerpoint/2010/main" spd="slow" p14:dur="2000">
-        <p159:morph option="byObject"/>
-      </p:transition>
-    </mc:Choice>
-    <mc:Fallback xmlns="">
-      <p:transition spd="slow">
-        <p:fade/>
-      </p:transition>
-    </mc:Fallback>
-  </mc:AlternateContent>
 </p:sldLayout>
 </file>
 
@@ -2691,18 +2583,6 @@
   <p:clrMapOvr>
     <a:masterClrMapping/>
   </p:clrMapOvr>
-  <mc:AlternateContent xmlns:mc="http://schemas.openxmlformats.org/markup-compatibility/2006" xmlns:p159="http://schemas.microsoft.com/office/powerpoint/2015/09/main">
-    <mc:Choice Requires="p159">
-      <p:transition xmlns:p14="http://schemas.microsoft.com/office/powerpoint/2010/main" spd="slow" p14:dur="2000">
-        <p159:morph option="byObject"/>
-      </p:transition>
-    </mc:Choice>
-    <mc:Fallback xmlns="">
-      <p:transition spd="slow">
-        <p:fade/>
-      </p:transition>
-    </mc:Fallback>
-  </mc:AlternateContent>
 </p:sldLayout>
 </file>
 
@@ -2991,18 +2871,6 @@
   <p:clrMapOvr>
     <a:masterClrMapping/>
   </p:clrMapOvr>
-  <mc:AlternateContent xmlns:mc="http://schemas.openxmlformats.org/markup-compatibility/2006" xmlns:p159="http://schemas.microsoft.com/office/powerpoint/2015/09/main">
-    <mc:Choice Requires="p159">
-      <p:transition xmlns:p14="http://schemas.microsoft.com/office/powerpoint/2010/main" spd="slow" p14:dur="2000">
-        <p159:morph option="byObject"/>
-      </p:transition>
-    </mc:Choice>
-    <mc:Fallback xmlns="">
-      <p:transition spd="slow">
-        <p:fade/>
-      </p:transition>
-    </mc:Fallback>
-  </mc:AlternateContent>
 </p:sldLayout>
 </file>
 
@@ -3291,18 +3159,6 @@
     <p:sldLayoutId id="2147483658" r:id="rId10"/>
     <p:sldLayoutId id="2147483659" r:id="rId11"/>
   </p:sldLayoutIdLst>
-  <mc:AlternateContent xmlns:mc="http://schemas.openxmlformats.org/markup-compatibility/2006" xmlns:p159="http://schemas.microsoft.com/office/powerpoint/2015/09/main">
-    <mc:Choice Requires="p159">
-      <p:transition xmlns:p14="http://schemas.microsoft.com/office/powerpoint/2010/main" spd="slow" p14:dur="2000">
-        <p159:morph option="byObject"/>
-      </p:transition>
-    </mc:Choice>
-    <mc:Fallback xmlns="">
-      <p:transition spd="slow">
-        <p:fade/>
-      </p:transition>
-    </mc:Fallback>
-  </mc:AlternateContent>
   <p:txStyles>
     <p:titleStyle>
       <a:lvl1pPr algn="l" defTabSz="914400" rtl="0" eaLnBrk="1" latinLnBrk="1" hangingPunct="1">
@@ -3789,18 +3645,6 @@
   <p:clrMapOvr>
     <a:masterClrMapping/>
   </p:clrMapOvr>
-  <mc:AlternateContent xmlns:mc="http://schemas.openxmlformats.org/markup-compatibility/2006" xmlns:p159="http://schemas.microsoft.com/office/powerpoint/2015/09/main">
-    <mc:Choice Requires="p159">
-      <p:transition xmlns:p14="http://schemas.microsoft.com/office/powerpoint/2010/main" spd="slow" p14:dur="2000">
-        <p159:morph option="byObject"/>
-      </p:transition>
-    </mc:Choice>
-    <mc:Fallback xmlns="">
-      <p:transition spd="slow">
-        <p:fade/>
-      </p:transition>
-    </mc:Fallback>
-  </mc:AlternateContent>
 </p:sld>
 </file>
 
@@ -4225,18 +4069,6 @@
   <p:clrMapOvr>
     <a:masterClrMapping/>
   </p:clrMapOvr>
-  <mc:AlternateContent xmlns:mc="http://schemas.openxmlformats.org/markup-compatibility/2006" xmlns:p159="http://schemas.microsoft.com/office/powerpoint/2015/09/main">
-    <mc:Choice Requires="p159">
-      <p:transition xmlns:p14="http://schemas.microsoft.com/office/powerpoint/2010/main" spd="slow" p14:dur="2000">
-        <p159:morph option="byObject"/>
-      </p:transition>
-    </mc:Choice>
-    <mc:Fallback xmlns="">
-      <p:transition spd="slow">
-        <p:fade/>
-      </p:transition>
-    </mc:Fallback>
-  </mc:AlternateContent>
 </p:sld>
 </file>
 
@@ -4442,18 +4274,6 @@
   <p:clrMapOvr>
     <a:masterClrMapping/>
   </p:clrMapOvr>
-  <mc:AlternateContent xmlns:mc="http://schemas.openxmlformats.org/markup-compatibility/2006" xmlns:p159="http://schemas.microsoft.com/office/powerpoint/2015/09/main">
-    <mc:Choice Requires="p159">
-      <p:transition xmlns:p14="http://schemas.microsoft.com/office/powerpoint/2010/main" spd="slow" p14:dur="2000">
-        <p159:morph option="byObject"/>
-      </p:transition>
-    </mc:Choice>
-    <mc:Fallback xmlns="">
-      <p:transition spd="slow">
-        <p:fade/>
-      </p:transition>
-    </mc:Fallback>
-  </mc:AlternateContent>
 </p:sld>
 </file>
 
@@ -4913,18 +4733,6 @@
   <p:clrMapOvr>
     <a:masterClrMapping/>
   </p:clrMapOvr>
-  <mc:AlternateContent xmlns:mc="http://schemas.openxmlformats.org/markup-compatibility/2006" xmlns:p159="http://schemas.microsoft.com/office/powerpoint/2015/09/main">
-    <mc:Choice Requires="p159">
-      <p:transition xmlns:p14="http://schemas.microsoft.com/office/powerpoint/2010/main" spd="slow" p14:dur="2000">
-        <p159:morph option="byObject"/>
-      </p:transition>
-    </mc:Choice>
-    <mc:Fallback xmlns="">
-      <p:transition spd="slow">
-        <p:fade/>
-      </p:transition>
-    </mc:Fallback>
-  </mc:AlternateContent>
 </p:sld>
 </file>
 
@@ -5325,18 +5133,6 @@
   <p:clrMapOvr>
     <a:masterClrMapping/>
   </p:clrMapOvr>
-  <mc:AlternateContent xmlns:mc="http://schemas.openxmlformats.org/markup-compatibility/2006" xmlns:p159="http://schemas.microsoft.com/office/powerpoint/2015/09/main">
-    <mc:Choice Requires="p159">
-      <p:transition xmlns:p14="http://schemas.microsoft.com/office/powerpoint/2010/main" spd="slow" p14:dur="2000">
-        <p159:morph option="byObject"/>
-      </p:transition>
-    </mc:Choice>
-    <mc:Fallback xmlns="">
-      <p:transition spd="slow">
-        <p:fade/>
-      </p:transition>
-    </mc:Fallback>
-  </mc:AlternateContent>
 </p:sld>
 </file>
 
@@ -6007,18 +5803,6 @@
   <p:clrMapOvr>
     <a:masterClrMapping/>
   </p:clrMapOvr>
-  <mc:AlternateContent xmlns:mc="http://schemas.openxmlformats.org/markup-compatibility/2006" xmlns:p159="http://schemas.microsoft.com/office/powerpoint/2015/09/main">
-    <mc:Choice Requires="p159">
-      <p:transition xmlns:p14="http://schemas.microsoft.com/office/powerpoint/2010/main" spd="slow" p14:dur="2000">
-        <p159:morph option="byObject"/>
-      </p:transition>
-    </mc:Choice>
-    <mc:Fallback xmlns="">
-      <p:transition spd="slow">
-        <p:fade/>
-      </p:transition>
-    </mc:Fallback>
-  </mc:AlternateContent>
 </p:sld>
 </file>
 
@@ -6750,18 +6534,6 @@
   <p:clrMapOvr>
     <a:masterClrMapping/>
   </p:clrMapOvr>
-  <mc:AlternateContent xmlns:mc="http://schemas.openxmlformats.org/markup-compatibility/2006" xmlns:p159="http://schemas.microsoft.com/office/powerpoint/2015/09/main">
-    <mc:Choice Requires="p159">
-      <p:transition xmlns:p14="http://schemas.microsoft.com/office/powerpoint/2010/main" spd="slow" p14:dur="2000">
-        <p159:morph option="byObject"/>
-      </p:transition>
-    </mc:Choice>
-    <mc:Fallback xmlns="">
-      <p:transition spd="slow">
-        <p:fade/>
-      </p:transition>
-    </mc:Fallback>
-  </mc:AlternateContent>
 </p:sld>
 </file>
 
@@ -7451,18 +7223,6 @@
   <p:clrMapOvr>
     <a:masterClrMapping/>
   </p:clrMapOvr>
-  <mc:AlternateContent xmlns:mc="http://schemas.openxmlformats.org/markup-compatibility/2006" xmlns:p159="http://schemas.microsoft.com/office/powerpoint/2015/09/main">
-    <mc:Choice Requires="p159">
-      <p:transition xmlns:p14="http://schemas.microsoft.com/office/powerpoint/2010/main" spd="slow" p14:dur="2000">
-        <p159:morph option="byObject"/>
-      </p:transition>
-    </mc:Choice>
-    <mc:Fallback xmlns="">
-      <p:transition spd="slow">
-        <p:fade/>
-      </p:transition>
-    </mc:Fallback>
-  </mc:AlternateContent>
 </p:sld>
 </file>
 
@@ -8209,18 +7969,6 @@
   <p:clrMapOvr>
     <a:masterClrMapping/>
   </p:clrMapOvr>
-  <mc:AlternateContent xmlns:mc="http://schemas.openxmlformats.org/markup-compatibility/2006" xmlns:p159="http://schemas.microsoft.com/office/powerpoint/2015/09/main">
-    <mc:Choice Requires="p159">
-      <p:transition xmlns:p14="http://schemas.microsoft.com/office/powerpoint/2010/main" spd="slow" p14:dur="2000">
-        <p159:morph option="byObject"/>
-      </p:transition>
-    </mc:Choice>
-    <mc:Fallback xmlns="">
-      <p:transition spd="slow">
-        <p:fade/>
-      </p:transition>
-    </mc:Fallback>
-  </mc:AlternateContent>
 </p:sld>
 </file>
 
@@ -8425,18 +8173,6 @@
   <p:clrMapOvr>
     <a:masterClrMapping/>
   </p:clrMapOvr>
-  <mc:AlternateContent xmlns:mc="http://schemas.openxmlformats.org/markup-compatibility/2006" xmlns:p159="http://schemas.microsoft.com/office/powerpoint/2015/09/main">
-    <mc:Choice Requires="p159">
-      <p:transition xmlns:p14="http://schemas.microsoft.com/office/powerpoint/2010/main" spd="slow" p14:dur="2000">
-        <p159:morph option="byObject"/>
-      </p:transition>
-    </mc:Choice>
-    <mc:Fallback xmlns="">
-      <p:transition spd="slow">
-        <p:fade/>
-      </p:transition>
-    </mc:Fallback>
-  </mc:AlternateContent>
 </p:sld>
 </file>
 
@@ -8968,18 +8704,6 @@
   <p:clrMapOvr>
     <a:masterClrMapping/>
   </p:clrMapOvr>
-  <mc:AlternateContent xmlns:mc="http://schemas.openxmlformats.org/markup-compatibility/2006" xmlns:p159="http://schemas.microsoft.com/office/powerpoint/2015/09/main">
-    <mc:Choice Requires="p159">
-      <p:transition xmlns:p14="http://schemas.microsoft.com/office/powerpoint/2010/main" spd="slow" p14:dur="2000">
-        <p159:morph option="byObject"/>
-      </p:transition>
-    </mc:Choice>
-    <mc:Fallback xmlns="">
-      <p:transition spd="slow">
-        <p:fade/>
-      </p:transition>
-    </mc:Fallback>
-  </mc:AlternateContent>
 </p:sld>
 </file>
 
@@ -9326,18 +9050,6 @@
   <p:clrMapOvr>
     <a:masterClrMapping/>
   </p:clrMapOvr>
-  <mc:AlternateContent xmlns:mc="http://schemas.openxmlformats.org/markup-compatibility/2006" xmlns:p159="http://schemas.microsoft.com/office/powerpoint/2015/09/main">
-    <mc:Choice Requires="p159">
-      <p:transition xmlns:p14="http://schemas.microsoft.com/office/powerpoint/2010/main" spd="slow" p14:dur="2000">
-        <p159:morph option="byObject"/>
-      </p:transition>
-    </mc:Choice>
-    <mc:Fallback xmlns="">
-      <p:transition spd="slow">
-        <p:fade/>
-      </p:transition>
-    </mc:Fallback>
-  </mc:AlternateContent>
 </p:sld>
 </file>
 
@@ -9665,18 +9377,6 @@
   <p:clrMapOvr>
     <a:masterClrMapping/>
   </p:clrMapOvr>
-  <mc:AlternateContent xmlns:mc="http://schemas.openxmlformats.org/markup-compatibility/2006" xmlns:p159="http://schemas.microsoft.com/office/powerpoint/2015/09/main">
-    <mc:Choice Requires="p159">
-      <p:transition xmlns:p14="http://schemas.microsoft.com/office/powerpoint/2010/main" spd="slow" p14:dur="2000">
-        <p159:morph option="byObject"/>
-      </p:transition>
-    </mc:Choice>
-    <mc:Fallback xmlns="">
-      <p:transition spd="slow">
-        <p:fade/>
-      </p:transition>
-    </mc:Fallback>
-  </mc:AlternateContent>
 </p:sld>
 </file>
 
@@ -10004,18 +9704,6 @@
   <p:clrMapOvr>
     <a:masterClrMapping/>
   </p:clrMapOvr>
-  <mc:AlternateContent xmlns:mc="http://schemas.openxmlformats.org/markup-compatibility/2006" xmlns:p159="http://schemas.microsoft.com/office/powerpoint/2015/09/main">
-    <mc:Choice Requires="p159">
-      <p:transition xmlns:p14="http://schemas.microsoft.com/office/powerpoint/2010/main" spd="slow" p14:dur="2000">
-        <p159:morph option="byObject"/>
-      </p:transition>
-    </mc:Choice>
-    <mc:Fallback xmlns="">
-      <p:transition spd="slow">
-        <p:fade/>
-      </p:transition>
-    </mc:Fallback>
-  </mc:AlternateContent>
 </p:sld>
 </file>
 
@@ -10406,18 +10094,6 @@
   <p:clrMapOvr>
     <a:masterClrMapping/>
   </p:clrMapOvr>
-  <mc:AlternateContent xmlns:mc="http://schemas.openxmlformats.org/markup-compatibility/2006" xmlns:p159="http://schemas.microsoft.com/office/powerpoint/2015/09/main">
-    <mc:Choice Requires="p159">
-      <p:transition xmlns:p14="http://schemas.microsoft.com/office/powerpoint/2010/main" spd="slow" p14:dur="2000">
-        <p159:morph option="byObject"/>
-      </p:transition>
-    </mc:Choice>
-    <mc:Fallback xmlns="">
-      <p:transition spd="slow">
-        <p:fade/>
-      </p:transition>
-    </mc:Fallback>
-  </mc:AlternateContent>
 </p:sld>
 </file>
 
@@ -10745,18 +10421,6 @@
   <p:clrMapOvr>
     <a:masterClrMapping/>
   </p:clrMapOvr>
-  <mc:AlternateContent xmlns:mc="http://schemas.openxmlformats.org/markup-compatibility/2006" xmlns:p159="http://schemas.microsoft.com/office/powerpoint/2015/09/main">
-    <mc:Choice Requires="p159">
-      <p:transition xmlns:p14="http://schemas.microsoft.com/office/powerpoint/2010/main" spd="slow" p14:dur="2000">
-        <p159:morph option="byObject"/>
-      </p:transition>
-    </mc:Choice>
-    <mc:Fallback xmlns="">
-      <p:transition spd="slow">
-        <p:fade/>
-      </p:transition>
-    </mc:Fallback>
-  </mc:AlternateContent>
 </p:sld>
 </file>
 
@@ -11226,18 +10890,6 @@
   <p:clrMapOvr>
     <a:masterClrMapping/>
   </p:clrMapOvr>
-  <mc:AlternateContent xmlns:mc="http://schemas.openxmlformats.org/markup-compatibility/2006" xmlns:p159="http://schemas.microsoft.com/office/powerpoint/2015/09/main">
-    <mc:Choice Requires="p159">
-      <p:transition xmlns:p14="http://schemas.microsoft.com/office/powerpoint/2010/main" spd="slow" p14:dur="2000">
-        <p159:morph option="byObject"/>
-      </p:transition>
-    </mc:Choice>
-    <mc:Fallback xmlns="">
-      <p:transition spd="slow">
-        <p:fade/>
-      </p:transition>
-    </mc:Fallback>
-  </mc:AlternateContent>
 </p:sld>
 </file>
 
@@ -11808,18 +11460,6 @@
   <p:clrMapOvr>
     <a:masterClrMapping/>
   </p:clrMapOvr>
-  <mc:AlternateContent xmlns:mc="http://schemas.openxmlformats.org/markup-compatibility/2006" xmlns:p159="http://schemas.microsoft.com/office/powerpoint/2015/09/main">
-    <mc:Choice Requires="p159">
-      <p:transition xmlns:p14="http://schemas.microsoft.com/office/powerpoint/2010/main" spd="slow" p14:dur="2000">
-        <p159:morph option="byObject"/>
-      </p:transition>
-    </mc:Choice>
-    <mc:Fallback xmlns="">
-      <p:transition spd="slow">
-        <p:fade/>
-      </p:transition>
-    </mc:Fallback>
-  </mc:AlternateContent>
 </p:sld>
 </file>
 
@@ -12335,18 +11975,6 @@
   <p:clrMapOvr>
     <a:masterClrMapping/>
   </p:clrMapOvr>
-  <mc:AlternateContent xmlns:mc="http://schemas.openxmlformats.org/markup-compatibility/2006" xmlns:p159="http://schemas.microsoft.com/office/powerpoint/2015/09/main">
-    <mc:Choice Requires="p159">
-      <p:transition xmlns:p14="http://schemas.microsoft.com/office/powerpoint/2010/main" spd="slow" p14:dur="2000">
-        <p159:morph option="byObject"/>
-      </p:transition>
-    </mc:Choice>
-    <mc:Fallback xmlns="">
-      <p:transition spd="slow">
-        <p:fade/>
-      </p:transition>
-    </mc:Fallback>
-  </mc:AlternateContent>
 </p:sld>
 </file>
 
@@ -12458,18 +12086,6 @@
   <p:clrMapOvr>
     <a:masterClrMapping/>
   </p:clrMapOvr>
-  <mc:AlternateContent xmlns:mc="http://schemas.openxmlformats.org/markup-compatibility/2006" xmlns:p159="http://schemas.microsoft.com/office/powerpoint/2015/09/main">
-    <mc:Choice Requires="p159">
-      <p:transition xmlns:p14="http://schemas.microsoft.com/office/powerpoint/2010/main" spd="slow" p14:dur="2000">
-        <p159:morph option="byObject"/>
-      </p:transition>
-    </mc:Choice>
-    <mc:Fallback xmlns="">
-      <p:transition spd="slow">
-        <p:fade/>
-      </p:transition>
-    </mc:Fallback>
-  </mc:AlternateContent>
 </p:sld>
 </file>
 
@@ -12627,18 +12243,6 @@
   <p:clrMapOvr>
     <a:masterClrMapping/>
   </p:clrMapOvr>
-  <mc:AlternateContent xmlns:mc="http://schemas.openxmlformats.org/markup-compatibility/2006" xmlns:p159="http://schemas.microsoft.com/office/powerpoint/2015/09/main">
-    <mc:Choice Requires="p159">
-      <p:transition xmlns:p14="http://schemas.microsoft.com/office/powerpoint/2010/main" spd="slow" p14:dur="2000">
-        <p159:morph option="byObject"/>
-      </p:transition>
-    </mc:Choice>
-    <mc:Fallback xmlns="">
-      <p:transition spd="slow">
-        <p:fade/>
-      </p:transition>
-    </mc:Fallback>
-  </mc:AlternateContent>
 </p:sld>
 </file>
 
@@ -12844,18 +12448,6 @@
   <p:clrMapOvr>
     <a:masterClrMapping/>
   </p:clrMapOvr>
-  <mc:AlternateContent xmlns:mc="http://schemas.openxmlformats.org/markup-compatibility/2006" xmlns:p159="http://schemas.microsoft.com/office/powerpoint/2015/09/main">
-    <mc:Choice Requires="p159">
-      <p:transition xmlns:p14="http://schemas.microsoft.com/office/powerpoint/2010/main" spd="slow" p14:dur="2000">
-        <p159:morph option="byObject"/>
-      </p:transition>
-    </mc:Choice>
-    <mc:Fallback xmlns="">
-      <p:transition spd="slow">
-        <p:fade/>
-      </p:transition>
-    </mc:Fallback>
-  </mc:AlternateContent>
 </p:sld>
 </file>
 
@@ -14325,18 +13917,6 @@
   <p:clrMapOvr>
     <a:masterClrMapping/>
   </p:clrMapOvr>
-  <mc:AlternateContent xmlns:mc="http://schemas.openxmlformats.org/markup-compatibility/2006" xmlns:p159="http://schemas.microsoft.com/office/powerpoint/2015/09/main">
-    <mc:Choice Requires="p159">
-      <p:transition xmlns:p14="http://schemas.microsoft.com/office/powerpoint/2010/main" spd="slow" p14:dur="2000">
-        <p159:morph option="byObject"/>
-      </p:transition>
-    </mc:Choice>
-    <mc:Fallback xmlns="">
-      <p:transition spd="slow">
-        <p:fade/>
-      </p:transition>
-    </mc:Fallback>
-  </mc:AlternateContent>
 </p:sld>
 </file>
 
@@ -14884,18 +14464,6 @@
   <p:clrMapOvr>
     <a:masterClrMapping/>
   </p:clrMapOvr>
-  <mc:AlternateContent xmlns:mc="http://schemas.openxmlformats.org/markup-compatibility/2006" xmlns:p159="http://schemas.microsoft.com/office/powerpoint/2015/09/main">
-    <mc:Choice Requires="p159">
-      <p:transition xmlns:p14="http://schemas.microsoft.com/office/powerpoint/2010/main" spd="slow" p14:dur="2000">
-        <p159:morph option="byObject"/>
-      </p:transition>
-    </mc:Choice>
-    <mc:Fallback xmlns="">
-      <p:transition spd="slow">
-        <p:fade/>
-      </p:transition>
-    </mc:Fallback>
-  </mc:AlternateContent>
 </p:sld>
 </file>
 
@@ -15672,18 +15240,6 @@
   <p:clrMapOvr>
     <a:masterClrMapping/>
   </p:clrMapOvr>
-  <mc:AlternateContent xmlns:mc="http://schemas.openxmlformats.org/markup-compatibility/2006" xmlns:p159="http://schemas.microsoft.com/office/powerpoint/2015/09/main">
-    <mc:Choice Requires="p159">
-      <p:transition xmlns:p14="http://schemas.microsoft.com/office/powerpoint/2010/main" spd="slow" p14:dur="2000">
-        <p159:morph option="byObject"/>
-      </p:transition>
-    </mc:Choice>
-    <mc:Fallback xmlns="">
-      <p:transition spd="slow">
-        <p:fade/>
-      </p:transition>
-    </mc:Fallback>
-  </mc:AlternateContent>
 </p:sld>
 </file>
 
@@ -16492,18 +16048,6 @@
   <p:clrMapOvr>
     <a:masterClrMapping/>
   </p:clrMapOvr>
-  <mc:AlternateContent xmlns:mc="http://schemas.openxmlformats.org/markup-compatibility/2006" xmlns:p159="http://schemas.microsoft.com/office/powerpoint/2015/09/main">
-    <mc:Choice Requires="p159">
-      <p:transition xmlns:p14="http://schemas.microsoft.com/office/powerpoint/2010/main" spd="slow" p14:dur="2000">
-        <p159:morph option="byObject"/>
-      </p:transition>
-    </mc:Choice>
-    <mc:Fallback xmlns="">
-      <p:transition spd="slow">
-        <p:fade/>
-      </p:transition>
-    </mc:Fallback>
-  </mc:AlternateContent>
 </p:sld>
 </file>
 
@@ -16922,18 +16466,6 @@
   <p:clrMapOvr>
     <a:masterClrMapping/>
   </p:clrMapOvr>
-  <mc:AlternateContent xmlns:mc="http://schemas.openxmlformats.org/markup-compatibility/2006" xmlns:p159="http://schemas.microsoft.com/office/powerpoint/2015/09/main">
-    <mc:Choice Requires="p159">
-      <p:transition xmlns:p14="http://schemas.microsoft.com/office/powerpoint/2010/main" spd="slow" p14:dur="2000">
-        <p159:morph option="byObject"/>
-      </p:transition>
-    </mc:Choice>
-    <mc:Fallback xmlns="">
-      <p:transition spd="slow">
-        <p:fade/>
-      </p:transition>
-    </mc:Fallback>
-  </mc:AlternateContent>
 </p:sld>
 </file>
 
@@ -17624,18 +17156,6 @@
   <p:clrMapOvr>
     <a:masterClrMapping/>
   </p:clrMapOvr>
-  <mc:AlternateContent xmlns:mc="http://schemas.openxmlformats.org/markup-compatibility/2006" xmlns:p159="http://schemas.microsoft.com/office/powerpoint/2015/09/main">
-    <mc:Choice Requires="p159">
-      <p:transition xmlns:p14="http://schemas.microsoft.com/office/powerpoint/2010/main" spd="slow" p14:dur="2000">
-        <p159:morph option="byObject"/>
-      </p:transition>
-    </mc:Choice>
-    <mc:Fallback xmlns="">
-      <p:transition spd="slow">
-        <p:fade/>
-      </p:transition>
-    </mc:Fallback>
-  </mc:AlternateContent>
 </p:sld>
 </file>
 
